--- a/1-3 Plan for Your ChatBot.pptx
+++ b/1-3 Plan for Your ChatBot.pptx
@@ -7042,7 +7042,7 @@
           <a:p>
             <a:fld id="{82604E9E-60DE-417E-849E-2CDE7F357628}" type="datetimeFigureOut">
               <a:rPr lang="en-US" smtClean="0"/>
-              <a:t>7/31/2017</a:t>
+              <a:t>8/1/2017</a:t>
             </a:fld>
             <a:endParaRPr lang="en-US"/>
           </a:p>
@@ -7736,7 +7736,7 @@
           <a:p>
             <a:fld id="{0D913C1F-5111-45C8-8646-4E60C4FCFD33}" type="datetime1">
               <a:rPr lang="en-US" smtClean="0"/>
-              <a:t>7/31/2017</a:t>
+              <a:t>8/1/2017</a:t>
             </a:fld>
             <a:endParaRPr lang="en-US"/>
           </a:p>
@@ -7911,7 +7911,7 @@
           <a:p>
             <a:fld id="{D3A57730-C926-45F0-9361-C8E6CC7EFAB1}" type="datetime1">
               <a:rPr lang="en-US" smtClean="0"/>
-              <a:t>7/31/2017</a:t>
+              <a:t>8/1/2017</a:t>
             </a:fld>
             <a:endParaRPr lang="en-US"/>
           </a:p>
@@ -8091,7 +8091,7 @@
           <a:p>
             <a:fld id="{72F94769-6EA4-484E-8E33-A5D2CCD7F3B4}" type="datetime1">
               <a:rPr lang="en-US" smtClean="0"/>
-              <a:t>7/31/2017</a:t>
+              <a:t>8/1/2017</a:t>
             </a:fld>
             <a:endParaRPr lang="en-US"/>
           </a:p>
@@ -8261,7 +8261,7 @@
           <a:p>
             <a:fld id="{875CDD8C-CF5A-4DB3-98F8-3A2639B39FE9}" type="datetime1">
               <a:rPr lang="en-US" smtClean="0"/>
-              <a:t>7/31/2017</a:t>
+              <a:t>8/1/2017</a:t>
             </a:fld>
             <a:endParaRPr lang="en-US"/>
           </a:p>
@@ -8529,7 +8529,7 @@
           <a:p>
             <a:fld id="{73567B6B-69B5-4721-8DDE-4EEC9B6DCE0D}" type="datetime1">
               <a:rPr lang="en-US" smtClean="0"/>
-              <a:t>7/31/2017</a:t>
+              <a:t>8/1/2017</a:t>
             </a:fld>
             <a:endParaRPr lang="en-US"/>
           </a:p>
@@ -8761,7 +8761,7 @@
           <a:p>
             <a:fld id="{98DD2B97-22CE-4922-9B75-1DD88489AFD6}" type="datetime1">
               <a:rPr lang="en-US" smtClean="0"/>
-              <a:t>7/31/2017</a:t>
+              <a:t>8/1/2017</a:t>
             </a:fld>
             <a:endParaRPr lang="en-US"/>
           </a:p>
@@ -9120,7 +9120,7 @@
           <a:p>
             <a:fld id="{71335CB9-B160-4C99-9B3C-64E62B2B8AA1}" type="datetime1">
               <a:rPr lang="en-US" smtClean="0"/>
-              <a:t>7/31/2017</a:t>
+              <a:t>8/1/2017</a:t>
             </a:fld>
             <a:endParaRPr lang="en-US"/>
           </a:p>
@@ -9261,7 +9261,7 @@
           <a:p>
             <a:fld id="{AB5FD2A9-980D-4792-8107-6837CF22CACC}" type="datetime1">
               <a:rPr lang="en-US" smtClean="0"/>
-              <a:t>7/31/2017</a:t>
+              <a:t>8/1/2017</a:t>
             </a:fld>
             <a:endParaRPr lang="en-US"/>
           </a:p>
@@ -9356,7 +9356,7 @@
           <a:p>
             <a:fld id="{AE49ADA3-5F6C-44F2-923F-B96DDB41268F}" type="datetime1">
               <a:rPr lang="en-US" smtClean="0"/>
-              <a:t>7/31/2017</a:t>
+              <a:t>8/1/2017</a:t>
             </a:fld>
             <a:endParaRPr lang="en-US"/>
           </a:p>
@@ -9713,7 +9713,7 @@
           <a:p>
             <a:fld id="{CD641920-CFA1-454E-AD47-3EEEB5605BD0}" type="datetime1">
               <a:rPr lang="en-US" smtClean="0"/>
-              <a:t>7/31/2017</a:t>
+              <a:t>8/1/2017</a:t>
             </a:fld>
             <a:endParaRPr lang="en-US"/>
           </a:p>
@@ -10070,7 +10070,7 @@
           <a:p>
             <a:fld id="{F3A5C466-8A77-4A43-A9E6-B875AC354BDD}" type="datetime1">
               <a:rPr lang="en-US" smtClean="0"/>
-              <a:t>7/31/2017</a:t>
+              <a:t>8/1/2017</a:t>
             </a:fld>
             <a:endParaRPr lang="en-US"/>
           </a:p>
@@ -10311,7 +10311,7 @@
           <a:p>
             <a:fld id="{8C1F079E-EE37-4F70-8A6F-71D0624FBE44}" type="datetime1">
               <a:rPr lang="en-US" smtClean="0"/>
-              <a:t>7/31/2017</a:t>
+              <a:t>8/1/2017</a:t>
             </a:fld>
             <a:endParaRPr lang="en-US"/>
           </a:p>
@@ -10801,11 +10801,15 @@
               <a:t>ChatBot</a:t>
             </a:r>
             <a:br>
-              <a:rPr lang="en-US" dirty="0"/>
+              <a:rPr lang="en-US"/>
             </a:br>
             <a:r>
+              <a:rPr lang="en-US"/>
+              <a:t>1-3 </a:t>
+            </a:r>
+            <a:r>
               <a:rPr lang="en-US" dirty="0"/>
-              <a:t>2-2 Plan Your </a:t>
+              <a:t>Plan Your </a:t>
             </a:r>
             <a:r>
               <a:rPr lang="en-US" dirty="0" err="1"/>
